--- a/사다리타기에서의 역동성.pptx
+++ b/사다리타기에서의 역동성.pptx
@@ -5226,8 +5226,8 @@
         </p:blipFill>
         <p:spPr>
           <a:xfrm>
-            <a:off x="1356997" y="2128292"/>
-            <a:ext cx="3892750" cy="3721291"/>
+            <a:off x="838200" y="1690688"/>
+            <a:ext cx="3148391" cy="3009718"/>
           </a:xfrm>
           <a:prstGeom prst="rect">
             <a:avLst/>
@@ -5256,8 +5256,8 @@
         </p:blipFill>
         <p:spPr>
           <a:xfrm>
-            <a:off x="6141355" y="2351484"/>
-            <a:ext cx="4864350" cy="2921150"/>
+            <a:off x="3986591" y="1289849"/>
+            <a:ext cx="7835222" cy="4705224"/>
           </a:xfrm>
           <a:prstGeom prst="rect">
             <a:avLst/>
@@ -5345,8 +5345,8 @@
         </p:blipFill>
         <p:spPr>
           <a:xfrm>
-            <a:off x="1217739" y="2271456"/>
-            <a:ext cx="3454578" cy="3683189"/>
+            <a:off x="654566" y="1550836"/>
+            <a:ext cx="2948534" cy="3143657"/>
           </a:xfrm>
           <a:prstGeom prst="rect">
             <a:avLst/>
@@ -5375,8 +5375,8 @@
         </p:blipFill>
         <p:spPr>
           <a:xfrm>
-            <a:off x="5763970" y="2538210"/>
-            <a:ext cx="4445228" cy="2819545"/>
+            <a:off x="3767191" y="1271682"/>
+            <a:ext cx="7684003" cy="4873854"/>
           </a:xfrm>
           <a:prstGeom prst="rect">
             <a:avLst/>
@@ -8155,23 +8155,6 @@
 </file>
 
 <file path=customXml/item1.xml><?xml version="1.0" encoding="utf-8"?>
-<p:properties xmlns:p="http://schemas.microsoft.com/office/2006/metadata/properties" xmlns:xsi="http://www.w3.org/2001/XMLSchema-instance" xmlns:pc="http://schemas.microsoft.com/office/infopath/2007/PartnerControls">
-  <documentManagement>
-    <_activity xmlns="fcebc1c7-9c31-4993-8ca1-956b52eb4a07" xsi:nil="true"/>
-  </documentManagement>
-</p:properties>
-</file>
-
-<file path=customXml/item2.xml><?xml version="1.0" encoding="utf-8"?>
-<?mso-contentType ?>
-<FormTemplates xmlns="http://schemas.microsoft.com/sharepoint/v3/contenttype/forms">
-  <Display>DocumentLibraryForm</Display>
-  <Edit>DocumentLibraryForm</Edit>
-  <New>DocumentLibraryForm</New>
-</FormTemplates>
-</file>
-
-<file path=customXml/item3.xml><?xml version="1.0" encoding="utf-8"?>
 <ct:contentTypeSchema xmlns:ct="http://schemas.microsoft.com/office/2006/metadata/contentType" xmlns:ma="http://schemas.microsoft.com/office/2006/metadata/properties/metaAttributes" ct:_="" ma:_="" ma:contentTypeName="문서" ma:contentTypeID="0x010100E568F46467F49944892D2C239242E2D2" ma:contentTypeVersion="16" ma:contentTypeDescription="새 문서를 만듭니다." ma:contentTypeScope="" ma:versionID="cefdb50b0a689a606d812e33e2d2024f">
   <xsd:schema xmlns:xsd="http://www.w3.org/2001/XMLSchema" xmlns:xs="http://www.w3.org/2001/XMLSchema" xmlns:p="http://schemas.microsoft.com/office/2006/metadata/properties" xmlns:ns3="fcebc1c7-9c31-4993-8ca1-956b52eb4a07" xmlns:ns4="b649b6ad-b5d0-4196-bc3b-1050abeb4a7b" targetNamespace="http://schemas.microsoft.com/office/2006/metadata/properties" ma:root="true" ma:fieldsID="5ff88bc02f15c7dbbdfb493c8b647897" ns3:_="" ns4:_="">
     <xsd:import namespace="fcebc1c7-9c31-4993-8ca1-956b52eb4a07"/>
@@ -8410,32 +8393,24 @@
 </ct:contentTypeSchema>
 </file>
 
-<file path=customXml/itemProps1.xml><?xml version="1.0" encoding="utf-8"?>
-<ds:datastoreItem xmlns:ds="http://schemas.openxmlformats.org/officeDocument/2006/customXml" ds:itemID="{C4968ACE-759C-4978-BEBC-F76A131CBB20}">
-  <ds:schemaRefs>
-    <ds:schemaRef ds:uri="http://purl.org/dc/dcmitype/"/>
-    <ds:schemaRef ds:uri="fcebc1c7-9c31-4993-8ca1-956b52eb4a07"/>
-    <ds:schemaRef ds:uri="http://purl.org/dc/terms/"/>
-    <ds:schemaRef ds:uri="http://schemas.openxmlformats.org/package/2006/metadata/core-properties"/>
-    <ds:schemaRef ds:uri="http://schemas.microsoft.com/office/2006/documentManagement/types"/>
-    <ds:schemaRef ds:uri="http://purl.org/dc/elements/1.1/"/>
-    <ds:schemaRef ds:uri="http://schemas.microsoft.com/office/infopath/2007/PartnerControls"/>
-    <ds:schemaRef ds:uri="b649b6ad-b5d0-4196-bc3b-1050abeb4a7b"/>
-    <ds:schemaRef ds:uri="http://schemas.microsoft.com/office/2006/metadata/properties"/>
-    <ds:schemaRef ds:uri="http://www.w3.org/XML/1998/namespace"/>
-  </ds:schemaRefs>
-</ds:datastoreItem>
+<file path=customXml/item2.xml><?xml version="1.0" encoding="utf-8"?>
+<?mso-contentType ?>
+<FormTemplates xmlns="http://schemas.microsoft.com/sharepoint/v3/contenttype/forms">
+  <Display>DocumentLibraryForm</Display>
+  <Edit>DocumentLibraryForm</Edit>
+  <New>DocumentLibraryForm</New>
+</FormTemplates>
 </file>
 
-<file path=customXml/itemProps2.xml><?xml version="1.0" encoding="utf-8"?>
-<ds:datastoreItem xmlns:ds="http://schemas.openxmlformats.org/officeDocument/2006/customXml" ds:itemID="{D55AE0C9-385F-4C89-A94F-D5274E2783CE}">
-  <ds:schemaRefs>
-    <ds:schemaRef ds:uri="http://schemas.microsoft.com/sharepoint/v3/contenttype/forms"/>
-  </ds:schemaRefs>
-</ds:datastoreItem>
+<file path=customXml/item3.xml><?xml version="1.0" encoding="utf-8"?>
+<p:properties xmlns:p="http://schemas.microsoft.com/office/2006/metadata/properties" xmlns:xsi="http://www.w3.org/2001/XMLSchema-instance" xmlns:pc="http://schemas.microsoft.com/office/infopath/2007/PartnerControls">
+  <documentManagement>
+    <_activity xmlns="fcebc1c7-9c31-4993-8ca1-956b52eb4a07" xsi:nil="true"/>
+  </documentManagement>
+</p:properties>
 </file>
 
-<file path=customXml/itemProps3.xml><?xml version="1.0" encoding="utf-8"?>
+<file path=customXml/itemProps1.xml><?xml version="1.0" encoding="utf-8"?>
 <ds:datastoreItem xmlns:ds="http://schemas.openxmlformats.org/officeDocument/2006/customXml" ds:itemID="{28A0E4FD-9180-4D83-82E2-70EE3447E5C3}">
   <ds:schemaRefs>
     <ds:schemaRef ds:uri="http://schemas.microsoft.com/office/2006/metadata/contentType"/>
@@ -8452,4 +8427,29 @@
     <ds:schemaRef ds:uri="http://schemas.microsoft.com/internal/obd"/>
   </ds:schemaRefs>
 </ds:datastoreItem>
+</file>
+
+<file path=customXml/itemProps2.xml><?xml version="1.0" encoding="utf-8"?>
+<ds:datastoreItem xmlns:ds="http://schemas.openxmlformats.org/officeDocument/2006/customXml" ds:itemID="{D55AE0C9-385F-4C89-A94F-D5274E2783CE}">
+  <ds:schemaRefs>
+    <ds:schemaRef ds:uri="http://schemas.microsoft.com/sharepoint/v3/contenttype/forms"/>
+  </ds:schemaRefs>
+</ds:datastoreItem>
+</file>
+
+<file path=customXml/itemProps3.xml><?xml version="1.0" encoding="utf-8"?>
+<ds:datastoreItem xmlns:ds="http://schemas.openxmlformats.org/officeDocument/2006/customXml" ds:itemID="{C4968ACE-759C-4978-BEBC-F76A131CBB20}">
+  <ds:schemaRefs>
+    <ds:schemaRef ds:uri="http://purl.org/dc/dcmitype/"/>
+    <ds:schemaRef ds:uri="fcebc1c7-9c31-4993-8ca1-956b52eb4a07"/>
+    <ds:schemaRef ds:uri="http://purl.org/dc/terms/"/>
+    <ds:schemaRef ds:uri="http://schemas.openxmlformats.org/package/2006/metadata/core-properties"/>
+    <ds:schemaRef ds:uri="http://schemas.microsoft.com/office/2006/documentManagement/types"/>
+    <ds:schemaRef ds:uri="http://purl.org/dc/elements/1.1/"/>
+    <ds:schemaRef ds:uri="http://schemas.microsoft.com/office/infopath/2007/PartnerControls"/>
+    <ds:schemaRef ds:uri="b649b6ad-b5d0-4196-bc3b-1050abeb4a7b"/>
+    <ds:schemaRef ds:uri="http://schemas.microsoft.com/office/2006/metadata/properties"/>
+    <ds:schemaRef ds:uri="http://www.w3.org/XML/1998/namespace"/>
+  </ds:schemaRefs>
+</ds:datastoreItem>
 </file>